--- a/class説明.pptx
+++ b/class説明.pptx
@@ -6,6 +6,8 @@
   </p:sldMasterIdLst>
   <p:sldIdLst>
     <p:sldId id="256" r:id="rId5"/>
+    <p:sldId id="257" r:id="rId6"/>
+    <p:sldId id="258" r:id="rId7"/>
   </p:sldIdLst>
   <p:sldSz cx="12192000" cy="6858000"/>
   <p:notesSz cx="6858000" cy="9144000"/>
@@ -104,6 +106,11 @@
       </a:defRPr>
     </a:lvl9pPr>
   </p:defaultTextStyle>
+  <p:extLst>
+    <p:ext uri="{EFAFB233-063F-42B5-8137-9DF3F51BA10A}">
+      <p15:sldGuideLst xmlns:p15="http://schemas.microsoft.com/office/powerpoint/2012/main"/>
+    </p:ext>
+  </p:extLst>
 </p:presentation>
 </file>
 
@@ -254,7 +261,7 @@
           <a:p>
             <a:fld id="{46D9AE6D-250F-4900-B083-4E91EB492EBA}" type="datetimeFigureOut">
               <a:rPr kumimoji="1" lang="ja-JP" altLang="en-US" smtClean="0"/>
-              <a:t>2023/9/7</a:t>
+              <a:t>2023/9/8</a:t>
             </a:fld>
             <a:endParaRPr kumimoji="1" lang="ja-JP" altLang="en-US"/>
           </a:p>
@@ -484,7 +491,7 @@
           <a:p>
             <a:fld id="{46D9AE6D-250F-4900-B083-4E91EB492EBA}" type="datetimeFigureOut">
               <a:rPr kumimoji="1" lang="ja-JP" altLang="en-US" smtClean="0"/>
-              <a:t>2023/9/7</a:t>
+              <a:t>2023/9/8</a:t>
             </a:fld>
             <a:endParaRPr kumimoji="1" lang="ja-JP" altLang="en-US"/>
           </a:p>
@@ -724,7 +731,7 @@
           <a:p>
             <a:fld id="{46D9AE6D-250F-4900-B083-4E91EB492EBA}" type="datetimeFigureOut">
               <a:rPr kumimoji="1" lang="ja-JP" altLang="en-US" smtClean="0"/>
-              <a:t>2023/9/7</a:t>
+              <a:t>2023/9/8</a:t>
             </a:fld>
             <a:endParaRPr kumimoji="1" lang="ja-JP" altLang="en-US"/>
           </a:p>
@@ -954,7 +961,7 @@
           <a:p>
             <a:fld id="{46D9AE6D-250F-4900-B083-4E91EB492EBA}" type="datetimeFigureOut">
               <a:rPr kumimoji="1" lang="ja-JP" altLang="en-US" smtClean="0"/>
-              <a:t>2023/9/7</a:t>
+              <a:t>2023/9/8</a:t>
             </a:fld>
             <a:endParaRPr kumimoji="1" lang="ja-JP" altLang="en-US"/>
           </a:p>
@@ -1229,7 +1236,7 @@
           <a:p>
             <a:fld id="{46D9AE6D-250F-4900-B083-4E91EB492EBA}" type="datetimeFigureOut">
               <a:rPr kumimoji="1" lang="ja-JP" altLang="en-US" smtClean="0"/>
-              <a:t>2023/9/7</a:t>
+              <a:t>2023/9/8</a:t>
             </a:fld>
             <a:endParaRPr kumimoji="1" lang="ja-JP" altLang="en-US"/>
           </a:p>
@@ -1558,7 +1565,7 @@
           <a:p>
             <a:fld id="{46D9AE6D-250F-4900-B083-4E91EB492EBA}" type="datetimeFigureOut">
               <a:rPr kumimoji="1" lang="ja-JP" altLang="en-US" smtClean="0"/>
-              <a:t>2023/9/7</a:t>
+              <a:t>2023/9/8</a:t>
             </a:fld>
             <a:endParaRPr kumimoji="1" lang="ja-JP" altLang="en-US"/>
           </a:p>
@@ -2034,7 +2041,7 @@
           <a:p>
             <a:fld id="{46D9AE6D-250F-4900-B083-4E91EB492EBA}" type="datetimeFigureOut">
               <a:rPr kumimoji="1" lang="ja-JP" altLang="en-US" smtClean="0"/>
-              <a:t>2023/9/7</a:t>
+              <a:t>2023/9/8</a:t>
             </a:fld>
             <a:endParaRPr kumimoji="1" lang="ja-JP" altLang="en-US"/>
           </a:p>
@@ -2175,7 +2182,7 @@
           <a:p>
             <a:fld id="{46D9AE6D-250F-4900-B083-4E91EB492EBA}" type="datetimeFigureOut">
               <a:rPr kumimoji="1" lang="ja-JP" altLang="en-US" smtClean="0"/>
-              <a:t>2023/9/7</a:t>
+              <a:t>2023/9/8</a:t>
             </a:fld>
             <a:endParaRPr kumimoji="1" lang="ja-JP" altLang="en-US"/>
           </a:p>
@@ -2288,7 +2295,7 @@
           <a:p>
             <a:fld id="{46D9AE6D-250F-4900-B083-4E91EB492EBA}" type="datetimeFigureOut">
               <a:rPr kumimoji="1" lang="ja-JP" altLang="en-US" smtClean="0"/>
-              <a:t>2023/9/7</a:t>
+              <a:t>2023/9/8</a:t>
             </a:fld>
             <a:endParaRPr kumimoji="1" lang="ja-JP" altLang="en-US"/>
           </a:p>
@@ -2631,7 +2638,7 @@
           <a:p>
             <a:fld id="{46D9AE6D-250F-4900-B083-4E91EB492EBA}" type="datetimeFigureOut">
               <a:rPr kumimoji="1" lang="ja-JP" altLang="en-US" smtClean="0"/>
-              <a:t>2023/9/7</a:t>
+              <a:t>2023/9/8</a:t>
             </a:fld>
             <a:endParaRPr kumimoji="1" lang="ja-JP" altLang="en-US"/>
           </a:p>
@@ -2919,7 +2926,7 @@
           <a:p>
             <a:fld id="{46D9AE6D-250F-4900-B083-4E91EB492EBA}" type="datetimeFigureOut">
               <a:rPr kumimoji="1" lang="ja-JP" altLang="en-US" smtClean="0"/>
-              <a:t>2023/9/7</a:t>
+              <a:t>2023/9/8</a:t>
             </a:fld>
             <a:endParaRPr kumimoji="1" lang="ja-JP" altLang="en-US"/>
           </a:p>
@@ -3192,7 +3199,7 @@
           <a:p>
             <a:fld id="{46D9AE6D-250F-4900-B083-4E91EB492EBA}" type="datetimeFigureOut">
               <a:rPr kumimoji="1" lang="ja-JP" altLang="en-US" smtClean="0"/>
-              <a:t>2023/9/7</a:t>
+              <a:t>2023/9/8</a:t>
             </a:fld>
             <a:endParaRPr kumimoji="1" lang="ja-JP" altLang="en-US"/>
           </a:p>
@@ -3696,8 +3703,8 @@
         </p:nvSpPr>
         <p:spPr>
           <a:xfrm>
-            <a:off x="5889445" y="148156"/>
-            <a:ext cx="6125936" cy="4524315"/>
+            <a:off x="5889445" y="84360"/>
+            <a:ext cx="6125936" cy="4278094"/>
           </a:xfrm>
           <a:prstGeom prst="rect">
             <a:avLst/>
@@ -3888,9 +3895,6 @@
             </a:r>
             <a:endParaRPr lang="en-US" altLang="ja-JP" sz="1600" dirty="0"/>
           </a:p>
-          <a:p>
-            <a:endParaRPr lang="en-US" altLang="ja-JP" sz="1600" dirty="0"/>
-          </a:p>
         </p:txBody>
       </p:sp>
       <p:sp>
@@ -3907,8 +3911,8 @@
         </p:nvSpPr>
         <p:spPr>
           <a:xfrm>
-            <a:off x="176618" y="1071486"/>
-            <a:ext cx="5466534" cy="3600985"/>
+            <a:off x="176618" y="1199079"/>
+            <a:ext cx="5466534" cy="3163376"/>
           </a:xfrm>
           <a:prstGeom prst="rect">
             <a:avLst/>
@@ -3998,8 +4002,13 @@
           <a:p>
             <a:r>
               <a:rPr kumimoji="1" lang="en-US" altLang="ja-JP" dirty="0"/>
-              <a:t>-int id</a:t>
-            </a:r>
+              <a:t>+-int </a:t>
+            </a:r>
+            <a:r>
+              <a:rPr kumimoji="1" lang="en-US" altLang="ja-JP" dirty="0" err="1"/>
+              <a:t>enemyId</a:t>
+            </a:r>
+            <a:endParaRPr kumimoji="1" lang="en-US" altLang="ja-JP" dirty="0"/>
           </a:p>
           <a:p>
             <a:r>
@@ -4061,8 +4070,593 @@
         </p:nvSpPr>
         <p:spPr>
           <a:xfrm>
-            <a:off x="391886" y="4990011"/>
-            <a:ext cx="4310743" cy="369332"/>
+            <a:off x="187314" y="4499482"/>
+            <a:ext cx="11828067" cy="923330"/>
+          </a:xfrm>
+          <a:prstGeom prst="rect">
+            <a:avLst/>
+          </a:prstGeom>
+          <a:noFill/>
+          <a:ln>
+            <a:solidFill>
+              <a:schemeClr val="tx1"/>
+            </a:solidFill>
+          </a:ln>
+        </p:spPr>
+        <p:txBody>
+          <a:bodyPr wrap="square" rtlCol="0">
+            <a:spAutoFit/>
+          </a:bodyPr>
+          <a:lstStyle/>
+          <a:p>
+            <a:r>
+              <a:rPr kumimoji="1" lang="ja-JP" altLang="en-US" dirty="0"/>
+              <a:t>概要</a:t>
+            </a:r>
+            <a:endParaRPr kumimoji="1" lang="en-US" altLang="ja-JP" dirty="0"/>
+          </a:p>
+          <a:p>
+            <a:r>
+              <a:rPr kumimoji="1" lang="ja-JP" altLang="en-US" dirty="0"/>
+              <a:t>敵などを実装する上で必要となる処理を定義したクラス。自身が生成及び倒されたことを他クラスに通知したり、</a:t>
+            </a:r>
+            <a:r>
+              <a:rPr kumimoji="1" lang="en-US" altLang="ja-JP" dirty="0"/>
+              <a:t>Enemy</a:t>
+            </a:r>
+            <a:r>
+              <a:rPr kumimoji="1" lang="ja-JP" altLang="en-US" dirty="0"/>
+              <a:t>間で目標の位置を共有したりする仕組みが用意されて</a:t>
+            </a:r>
+            <a:r>
+              <a:rPr lang="ja-JP" altLang="en-US" dirty="0"/>
+              <a:t>いる。</a:t>
+            </a:r>
+            <a:endParaRPr lang="en-US" altLang="ja-JP" dirty="0"/>
+          </a:p>
+        </p:txBody>
+      </p:sp>
+    </p:spTree>
+    <p:extLst>
+      <p:ext uri="{BB962C8B-B14F-4D97-AF65-F5344CB8AC3E}">
+        <p14:creationId xmlns:p14="http://schemas.microsoft.com/office/powerpoint/2010/main" val="2090331772"/>
+      </p:ext>
+    </p:extLst>
+  </p:cSld>
+  <p:clrMapOvr>
+    <a:masterClrMapping/>
+  </p:clrMapOvr>
+</p:sld>
+</file>
+
+<file path=ppt/slides/slide2.xml><?xml version="1.0" encoding="utf-8"?>
+<p:sld xmlns:a="http://schemas.openxmlformats.org/drawingml/2006/main" xmlns:r="http://schemas.openxmlformats.org/officeDocument/2006/relationships" xmlns:p="http://schemas.openxmlformats.org/presentationml/2006/main">
+  <p:cSld>
+    <p:spTree>
+      <p:nvGrpSpPr>
+        <p:cNvPr id="1" name=""/>
+        <p:cNvGrpSpPr/>
+        <p:nvPr/>
+      </p:nvGrpSpPr>
+      <p:grpSpPr>
+        <a:xfrm>
+          <a:off x="0" y="0"/>
+          <a:ext cx="0" cy="0"/>
+          <a:chOff x="0" y="0"/>
+          <a:chExt cx="0" cy="0"/>
+        </a:xfrm>
+      </p:grpSpPr>
+      <p:sp>
+        <p:nvSpPr>
+          <p:cNvPr id="25" name="テキスト ボックス 24">
+            <a:extLst>
+              <a:ext uri="{FF2B5EF4-FFF2-40B4-BE49-F238E27FC236}">
+                <a16:creationId xmlns:a16="http://schemas.microsoft.com/office/drawing/2014/main" id="{555DB201-7ADF-6E11-BD61-26079ED5FDAA}"/>
+              </a:ext>
+            </a:extLst>
+          </p:cNvPr>
+          <p:cNvSpPr txBox="1"/>
+          <p:nvPr/>
+        </p:nvSpPr>
+        <p:spPr>
+          <a:xfrm>
+            <a:off x="176619" y="148156"/>
+            <a:ext cx="5466535" cy="923330"/>
+          </a:xfrm>
+          <a:prstGeom prst="rect">
+            <a:avLst/>
+          </a:prstGeom>
+          <a:noFill/>
+          <a:ln>
+            <a:solidFill>
+              <a:schemeClr val="tx1"/>
+            </a:solidFill>
+          </a:ln>
+        </p:spPr>
+        <p:txBody>
+          <a:bodyPr wrap="square" rtlCol="0">
+            <a:spAutoFit/>
+          </a:bodyPr>
+          <a:lstStyle/>
+          <a:p>
+            <a:pPr algn="ctr"/>
+            <a:r>
+              <a:rPr lang="en-US" altLang="ja-JP" dirty="0"/>
+              <a:t>Enemy(</a:t>
+            </a:r>
+            <a:r>
+              <a:rPr lang="ja-JP" altLang="en-US" dirty="0"/>
+              <a:t>抽象</a:t>
+            </a:r>
+            <a:r>
+              <a:rPr lang="en-US" altLang="ja-JP" dirty="0"/>
+              <a:t>)</a:t>
+            </a:r>
+          </a:p>
+          <a:p>
+            <a:pPr algn="ctr"/>
+            <a:r>
+              <a:rPr lang="en-US" altLang="ja-JP" dirty="0"/>
+              <a:t>:</a:t>
+            </a:r>
+            <a:r>
+              <a:rPr lang="en-US" altLang="ja-JP" dirty="0" err="1"/>
+              <a:t>MonoBihavior</a:t>
+            </a:r>
+            <a:endParaRPr lang="en-US" altLang="ja-JP" dirty="0"/>
+          </a:p>
+          <a:p>
+            <a:pPr algn="ctr"/>
+            <a:r>
+              <a:rPr lang="en-US" altLang="ja-JP" dirty="0"/>
+              <a:t>:</a:t>
+            </a:r>
+            <a:r>
+              <a:rPr lang="en-US" altLang="ja-JP" dirty="0" err="1"/>
+              <a:t>DamageReceiver</a:t>
+            </a:r>
+            <a:endParaRPr lang="en-US" altLang="ja-JP" dirty="0"/>
+          </a:p>
+        </p:txBody>
+      </p:sp>
+      <p:sp>
+        <p:nvSpPr>
+          <p:cNvPr id="29" name="テキスト ボックス 28">
+            <a:extLst>
+              <a:ext uri="{FF2B5EF4-FFF2-40B4-BE49-F238E27FC236}">
+                <a16:creationId xmlns:a16="http://schemas.microsoft.com/office/drawing/2014/main" id="{CD1BE3D4-5F47-024D-00E8-6ECB141ADEE0}"/>
+              </a:ext>
+            </a:extLst>
+          </p:cNvPr>
+          <p:cNvSpPr txBox="1"/>
+          <p:nvPr/>
+        </p:nvSpPr>
+        <p:spPr>
+          <a:xfrm>
+            <a:off x="176618" y="1199078"/>
+            <a:ext cx="5466534" cy="5510766"/>
+          </a:xfrm>
+          <a:prstGeom prst="rect">
+            <a:avLst/>
+          </a:prstGeom>
+          <a:noFill/>
+          <a:ln>
+            <a:solidFill>
+              <a:schemeClr val="tx1"/>
+            </a:solidFill>
+          </a:ln>
+        </p:spPr>
+        <p:txBody>
+          <a:bodyPr wrap="square" rtlCol="0">
+            <a:normAutofit lnSpcReduction="10000"/>
+          </a:bodyPr>
+          <a:lstStyle/>
+          <a:p>
+            <a:r>
+              <a:rPr kumimoji="1" lang="ja-JP" altLang="en-US" dirty="0"/>
+              <a:t>主要クラスフィールド説明</a:t>
+            </a:r>
+            <a:endParaRPr kumimoji="1" lang="en-US" altLang="ja-JP" dirty="0"/>
+          </a:p>
+          <a:p>
+            <a:r>
+              <a:rPr kumimoji="1" lang="en-US" altLang="ja-JP" dirty="0"/>
+              <a:t>+static </a:t>
+            </a:r>
+            <a:r>
+              <a:rPr kumimoji="1" lang="en-US" altLang="ja-JP" dirty="0" err="1"/>
+              <a:t>GameObject</a:t>
+            </a:r>
+            <a:r>
+              <a:rPr kumimoji="1" lang="en-US" altLang="ja-JP" dirty="0"/>
+              <a:t> </a:t>
+            </a:r>
+            <a:r>
+              <a:rPr kumimoji="1" lang="en-US" altLang="ja-JP" dirty="0" err="1"/>
+              <a:t>sharedTarget</a:t>
+            </a:r>
+            <a:endParaRPr kumimoji="1" lang="en-US" altLang="ja-JP" dirty="0"/>
+          </a:p>
+          <a:p>
+            <a:r>
+              <a:rPr lang="ja-JP" altLang="en-US" dirty="0"/>
+              <a:t>　</a:t>
+            </a:r>
+            <a:r>
+              <a:rPr lang="en-US" altLang="ja-JP" dirty="0"/>
+              <a:t>Enemy</a:t>
+            </a:r>
+            <a:r>
+              <a:rPr lang="ja-JP" altLang="en-US" dirty="0"/>
+              <a:t>が攻撃対象とするオブジェクト（プレイヤーなど）を入れておく</a:t>
+            </a:r>
+            <a:endParaRPr lang="en-US" altLang="ja-JP" dirty="0"/>
+          </a:p>
+          <a:p>
+            <a:endParaRPr kumimoji="1" lang="en-US" altLang="ja-JP" dirty="0"/>
+          </a:p>
+          <a:p>
+            <a:r>
+              <a:rPr lang="en-US" altLang="ja-JP" dirty="0"/>
+              <a:t>+static Vector3? </a:t>
+            </a:r>
+            <a:r>
+              <a:rPr lang="en-US" altLang="ja-JP" dirty="0" err="1"/>
+              <a:t>sharedTargetPositon</a:t>
+            </a:r>
+            <a:endParaRPr lang="en-US" altLang="ja-JP" dirty="0"/>
+          </a:p>
+          <a:p>
+            <a:r>
+              <a:rPr kumimoji="1" lang="ja-JP" altLang="en-US" dirty="0"/>
+              <a:t>　</a:t>
+            </a:r>
+            <a:r>
+              <a:rPr lang="ja-JP" altLang="en-US" dirty="0"/>
+              <a:t>ターゲットの位置を入れておく場所</a:t>
+            </a:r>
+            <a:endParaRPr lang="en-US" altLang="ja-JP" dirty="0"/>
+          </a:p>
+          <a:p>
+            <a:r>
+              <a:rPr kumimoji="1" lang="ja-JP" altLang="en-US" dirty="0"/>
+              <a:t>　</a:t>
+            </a:r>
+            <a:r>
+              <a:rPr lang="en-US" altLang="ja-JP" dirty="0" err="1"/>
+              <a:t>sharedTarget</a:t>
+            </a:r>
+            <a:r>
+              <a:rPr lang="ja-JP" altLang="en-US" dirty="0"/>
+              <a:t>と別に設けてある理由は、「最後に目標を視認した場所」といったような情報を共有できるようにするため</a:t>
+            </a:r>
+            <a:endParaRPr kumimoji="1" lang="en-US" altLang="ja-JP" dirty="0"/>
+          </a:p>
+          <a:p>
+            <a:endParaRPr kumimoji="1" lang="en-US" altLang="ja-JP" dirty="0"/>
+          </a:p>
+          <a:p>
+            <a:r>
+              <a:rPr kumimoji="1" lang="en-US" altLang="ja-JP" dirty="0"/>
+              <a:t>+static</a:t>
+            </a:r>
+            <a:r>
+              <a:rPr lang="en-US" altLang="ja-JP" dirty="0"/>
+              <a:t> </a:t>
+            </a:r>
+            <a:r>
+              <a:rPr kumimoji="1" lang="en-US" altLang="ja-JP" dirty="0"/>
+              <a:t>Enemy </a:t>
+            </a:r>
+            <a:r>
+              <a:rPr kumimoji="1" lang="en-US" altLang="ja-JP" dirty="0" err="1"/>
+              <a:t>targetReporter</a:t>
+            </a:r>
+            <a:endParaRPr kumimoji="1" lang="en-US" altLang="ja-JP" dirty="0"/>
+          </a:p>
+          <a:p>
+            <a:r>
+              <a:rPr kumimoji="1" lang="ja-JP" altLang="en-US" dirty="0"/>
+              <a:t>　</a:t>
+            </a:r>
+            <a:r>
+              <a:rPr kumimoji="1" lang="en-US" altLang="ja-JP" dirty="0" err="1"/>
+              <a:t>sharedTarget</a:t>
+            </a:r>
+            <a:r>
+              <a:rPr lang="ja-JP" altLang="en-US" dirty="0"/>
+              <a:t>を最後に更新した</a:t>
+            </a:r>
+            <a:r>
+              <a:rPr lang="en-US" altLang="ja-JP" dirty="0"/>
+              <a:t>Enemy</a:t>
+            </a:r>
+            <a:r>
+              <a:rPr lang="ja-JP" altLang="en-US" dirty="0"/>
+              <a:t>を入れる場所</a:t>
+            </a:r>
+            <a:endParaRPr lang="en-US" altLang="ja-JP" dirty="0"/>
+          </a:p>
+          <a:p>
+            <a:r>
+              <a:rPr lang="en-US" altLang="ja-JP" dirty="0" err="1"/>
+              <a:t>sharedTargetPosition</a:t>
+            </a:r>
+            <a:r>
+              <a:rPr lang="ja-JP" altLang="en-US" dirty="0"/>
+              <a:t>を更新する際は</a:t>
+            </a:r>
+            <a:r>
+              <a:rPr lang="en-US" altLang="ja-JP" dirty="0" err="1"/>
+              <a:t>Enemy.targetReporter</a:t>
+            </a:r>
+            <a:r>
+              <a:rPr lang="en-US" altLang="ja-JP" dirty="0"/>
+              <a:t> = this </a:t>
+            </a:r>
+            <a:r>
+              <a:rPr lang="ja-JP" altLang="en-US" dirty="0"/>
+              <a:t>等行ってほしい</a:t>
+            </a:r>
+            <a:endParaRPr lang="en-US" altLang="ja-JP" dirty="0"/>
+          </a:p>
+          <a:p>
+            <a:endParaRPr lang="en-US" altLang="ja-JP" dirty="0"/>
+          </a:p>
+          <a:p>
+            <a:r>
+              <a:rPr lang="en-US" altLang="ja-JP" dirty="0"/>
+              <a:t>+static List&lt;Enemy&gt; </a:t>
+            </a:r>
+            <a:r>
+              <a:rPr lang="en-US" altLang="ja-JP" dirty="0" err="1"/>
+              <a:t>enemiesList</a:t>
+            </a:r>
+            <a:endParaRPr lang="en-US" altLang="ja-JP" dirty="0"/>
+          </a:p>
+          <a:p>
+            <a:r>
+              <a:rPr lang="ja-JP" altLang="en-US" dirty="0"/>
+              <a:t>　</a:t>
+            </a:r>
+            <a:r>
+              <a:rPr lang="en-US" altLang="ja-JP" dirty="0"/>
+              <a:t>Enemy</a:t>
+            </a:r>
+            <a:r>
+              <a:rPr lang="ja-JP" altLang="en-US" dirty="0"/>
+              <a:t>のリスト。</a:t>
+            </a:r>
+            <a:r>
+              <a:rPr lang="en-US" altLang="ja-JP" dirty="0"/>
+              <a:t>Awake()</a:t>
+            </a:r>
+            <a:r>
+              <a:rPr lang="ja-JP" altLang="en-US" dirty="0"/>
+              <a:t>時に自動で登録される。自分が倒されたときは</a:t>
+            </a:r>
+            <a:r>
+              <a:rPr lang="en-US" altLang="ja-JP" dirty="0" err="1"/>
+              <a:t>OnEnemyDestroy</a:t>
+            </a:r>
+            <a:r>
+              <a:rPr lang="en-US" altLang="ja-JP" dirty="0"/>
+              <a:t>(this);</a:t>
+            </a:r>
+            <a:r>
+              <a:rPr lang="ja-JP" altLang="en-US" dirty="0"/>
+              <a:t>を叩くことでリストから削除される。</a:t>
+            </a:r>
+            <a:endParaRPr lang="en-US" altLang="ja-JP" dirty="0"/>
+          </a:p>
+          <a:p>
+            <a:endParaRPr kumimoji="1" lang="en-US" altLang="ja-JP" dirty="0"/>
+          </a:p>
+          <a:p>
+            <a:endParaRPr kumimoji="1" lang="en-US" altLang="ja-JP" dirty="0"/>
+          </a:p>
+        </p:txBody>
+      </p:sp>
+      <p:sp>
+        <p:nvSpPr>
+          <p:cNvPr id="2" name="テキスト ボックス 1">
+            <a:extLst>
+              <a:ext uri="{FF2B5EF4-FFF2-40B4-BE49-F238E27FC236}">
+                <a16:creationId xmlns:a16="http://schemas.microsoft.com/office/drawing/2014/main" id="{2ECB2566-AD8F-93F9-404A-A10A4A92023D}"/>
+              </a:ext>
+            </a:extLst>
+          </p:cNvPr>
+          <p:cNvSpPr txBox="1"/>
+          <p:nvPr/>
+        </p:nvSpPr>
+        <p:spPr>
+          <a:xfrm>
+            <a:off x="6096000" y="84360"/>
+            <a:ext cx="5919381" cy="4019807"/>
+          </a:xfrm>
+          <a:prstGeom prst="rect">
+            <a:avLst/>
+          </a:prstGeom>
+          <a:noFill/>
+          <a:ln>
+            <a:solidFill>
+              <a:schemeClr val="tx1"/>
+            </a:solidFill>
+          </a:ln>
+        </p:spPr>
+        <p:txBody>
+          <a:bodyPr wrap="square" rtlCol="0">
+            <a:normAutofit/>
+          </a:bodyPr>
+          <a:lstStyle/>
+          <a:p>
+            <a:r>
+              <a:rPr kumimoji="1" lang="ja-JP" altLang="en-US" dirty="0"/>
+              <a:t>主要インスタンスフィールド説明</a:t>
+            </a:r>
+            <a:endParaRPr kumimoji="1" lang="en-US" altLang="ja-JP" dirty="0"/>
+          </a:p>
+          <a:p>
+            <a:r>
+              <a:rPr kumimoji="1" lang="en-US" altLang="ja-JP" dirty="0"/>
+              <a:t>+-int </a:t>
+            </a:r>
+            <a:r>
+              <a:rPr kumimoji="1" lang="en-US" altLang="ja-JP" dirty="0" err="1"/>
+              <a:t>enemyId</a:t>
+            </a:r>
+            <a:endParaRPr kumimoji="1" lang="en-US" altLang="ja-JP" dirty="0"/>
+          </a:p>
+          <a:p>
+            <a:r>
+              <a:rPr lang="ja-JP" altLang="en-US" dirty="0"/>
+              <a:t>　</a:t>
+            </a:r>
+            <a:r>
+              <a:rPr lang="en-US" altLang="ja-JP" dirty="0"/>
+              <a:t>enemy</a:t>
+            </a:r>
+            <a:r>
+              <a:rPr lang="ja-JP" altLang="en-US" dirty="0"/>
+              <a:t>に</a:t>
+            </a:r>
+            <a:r>
+              <a:rPr lang="en-US" altLang="ja-JP" dirty="0"/>
+              <a:t>1</a:t>
+            </a:r>
+            <a:r>
+              <a:rPr lang="ja-JP" altLang="en-US" dirty="0"/>
+              <a:t>つずつ連番で振られる値　</a:t>
+            </a:r>
+            <a:r>
+              <a:rPr lang="en-US" altLang="ja-JP" dirty="0"/>
+              <a:t>Awake</a:t>
+            </a:r>
+            <a:r>
+              <a:rPr lang="ja-JP" altLang="en-US" dirty="0"/>
+              <a:t>時に自動で振られる</a:t>
+            </a:r>
+            <a:endParaRPr lang="en-US" altLang="ja-JP" dirty="0"/>
+          </a:p>
+          <a:p>
+            <a:endParaRPr kumimoji="1" lang="en-US" altLang="ja-JP" dirty="0"/>
+          </a:p>
+          <a:p>
+            <a:r>
+              <a:rPr lang="en-US" altLang="ja-JP" dirty="0"/>
+              <a:t>+string </a:t>
+            </a:r>
+            <a:r>
+              <a:rPr lang="en-US" altLang="ja-JP" dirty="0" err="1"/>
+              <a:t>modelName</a:t>
+            </a:r>
+            <a:endParaRPr lang="en-US" altLang="ja-JP" dirty="0"/>
+          </a:p>
+          <a:p>
+            <a:r>
+              <a:rPr lang="ja-JP" altLang="en-US" dirty="0"/>
+              <a:t>　その</a:t>
+            </a:r>
+            <a:r>
+              <a:rPr lang="en-US" altLang="ja-JP" dirty="0"/>
+              <a:t>Enemy</a:t>
+            </a:r>
+            <a:r>
+              <a:rPr lang="ja-JP" altLang="en-US" dirty="0"/>
+              <a:t>の表示名　</a:t>
+            </a:r>
+            <a:r>
+              <a:rPr lang="en-US" altLang="ja-JP" dirty="0"/>
+              <a:t>HUD</a:t>
+            </a:r>
+            <a:r>
+              <a:rPr lang="ja-JP" altLang="en-US" dirty="0"/>
+              <a:t>等に表示される</a:t>
+            </a:r>
+            <a:endParaRPr lang="en-US" altLang="ja-JP" dirty="0"/>
+          </a:p>
+          <a:p>
+            <a:endParaRPr lang="en-US" altLang="ja-JP" dirty="0"/>
+          </a:p>
+          <a:p>
+            <a:r>
+              <a:rPr kumimoji="1" lang="en-US" altLang="ja-JP" dirty="0"/>
+              <a:t>+int </a:t>
+            </a:r>
+            <a:r>
+              <a:rPr kumimoji="1" lang="en-US" altLang="ja-JP" dirty="0" err="1"/>
+              <a:t>maxArmorPoint</a:t>
+            </a:r>
+            <a:endParaRPr lang="en-US" altLang="ja-JP" dirty="0"/>
+          </a:p>
+          <a:p>
+            <a:r>
+              <a:rPr kumimoji="1" lang="en-US" altLang="ja-JP" dirty="0"/>
+              <a:t>+int </a:t>
+            </a:r>
+            <a:r>
+              <a:rPr kumimoji="1" lang="en-US" altLang="ja-JP" dirty="0" err="1"/>
+              <a:t>armorPoint</a:t>
+            </a:r>
+            <a:endParaRPr kumimoji="1" lang="en-US" altLang="ja-JP" dirty="0"/>
+          </a:p>
+          <a:p>
+            <a:r>
+              <a:rPr lang="ja-JP" altLang="en-US" dirty="0"/>
+              <a:t>　いわゆる最大</a:t>
+            </a:r>
+            <a:r>
+              <a:rPr lang="en-US" altLang="ja-JP" dirty="0"/>
+              <a:t>HP</a:t>
+            </a:r>
+            <a:r>
+              <a:rPr lang="ja-JP" altLang="en-US" dirty="0"/>
+              <a:t>と残り</a:t>
+            </a:r>
+            <a:r>
+              <a:rPr lang="en-US" altLang="ja-JP" dirty="0"/>
+              <a:t>HP</a:t>
+            </a:r>
+          </a:p>
+          <a:p>
+            <a:endParaRPr kumimoji="1" lang="en-US" altLang="ja-JP" dirty="0"/>
+          </a:p>
+          <a:p>
+            <a:r>
+              <a:rPr lang="en-US" altLang="ja-JP" dirty="0"/>
+              <a:t>+int </a:t>
+            </a:r>
+            <a:r>
+              <a:rPr lang="en-US" altLang="ja-JP" dirty="0" err="1"/>
+              <a:t>onRadarDist</a:t>
+            </a:r>
+            <a:endParaRPr kumimoji="1" lang="en-US" altLang="ja-JP" dirty="0"/>
+          </a:p>
+          <a:p>
+            <a:r>
+              <a:rPr kumimoji="1" lang="ja-JP" altLang="en-US" dirty="0"/>
+              <a:t>　プレイヤーのレーダーに映る距離</a:t>
+            </a:r>
+            <a:endParaRPr kumimoji="1" lang="en-US" altLang="ja-JP" dirty="0"/>
+          </a:p>
+        </p:txBody>
+      </p:sp>
+      <p:sp>
+        <p:nvSpPr>
+          <p:cNvPr id="3" name="テキスト ボックス 2">
+            <a:extLst>
+              <a:ext uri="{FF2B5EF4-FFF2-40B4-BE49-F238E27FC236}">
+                <a16:creationId xmlns:a16="http://schemas.microsoft.com/office/drawing/2014/main" id="{2608CDCA-C240-011B-34F8-AEAA9F228F9B}"/>
+              </a:ext>
+            </a:extLst>
+          </p:cNvPr>
+          <p:cNvSpPr txBox="1"/>
+          <p:nvPr/>
+        </p:nvSpPr>
+        <p:spPr>
+          <a:xfrm>
+            <a:off x="9993795" y="5550196"/>
+            <a:ext cx="1811714" cy="923330"/>
           </a:xfrm>
           <a:prstGeom prst="rect">
             <a:avLst/>
@@ -4070,22 +4664,179 @@
           <a:noFill/>
         </p:spPr>
         <p:txBody>
+          <a:bodyPr wrap="none" rtlCol="0">
+            <a:spAutoFit/>
+          </a:bodyPr>
+          <a:lstStyle/>
+          <a:p>
+            <a:r>
+              <a:rPr lang="ja-JP" altLang="en-US" dirty="0"/>
+              <a:t>＋ → </a:t>
+            </a:r>
+            <a:r>
+              <a:rPr lang="en-US" altLang="ja-JP" dirty="0"/>
+              <a:t>public</a:t>
+            </a:r>
+            <a:r>
+              <a:rPr lang="ja-JP" altLang="en-US" dirty="0"/>
+              <a:t>　</a:t>
+            </a:r>
+            <a:endParaRPr lang="en-US" altLang="ja-JP" dirty="0"/>
+          </a:p>
+          <a:p>
+            <a:r>
+              <a:rPr lang="ja-JP" altLang="en-US" dirty="0"/>
+              <a:t>ー → </a:t>
+            </a:r>
+            <a:r>
+              <a:rPr lang="en-US" altLang="ja-JP" dirty="0"/>
+              <a:t>private</a:t>
+            </a:r>
+          </a:p>
+          <a:p>
+            <a:r>
+              <a:rPr kumimoji="1" lang="en-US" altLang="ja-JP" dirty="0"/>
+              <a:t>+- </a:t>
+            </a:r>
+            <a:r>
+              <a:rPr kumimoji="1" lang="ja-JP" altLang="en-US" dirty="0"/>
+              <a:t>→ </a:t>
+            </a:r>
+            <a:r>
+              <a:rPr kumimoji="1" lang="en-US" altLang="ja-JP" dirty="0"/>
+              <a:t>+get -set</a:t>
+            </a:r>
+            <a:endParaRPr kumimoji="1" lang="ja-JP" altLang="en-US" dirty="0"/>
+          </a:p>
+        </p:txBody>
+      </p:sp>
+      <p:sp>
+        <p:nvSpPr>
+          <p:cNvPr id="4" name="テキスト ボックス 3">
+            <a:extLst>
+              <a:ext uri="{FF2B5EF4-FFF2-40B4-BE49-F238E27FC236}">
+                <a16:creationId xmlns:a16="http://schemas.microsoft.com/office/drawing/2014/main" id="{66A4F428-8540-9032-8FBF-6225FBCABDDE}"/>
+              </a:ext>
+            </a:extLst>
+          </p:cNvPr>
+          <p:cNvSpPr txBox="1"/>
+          <p:nvPr/>
+        </p:nvSpPr>
+        <p:spPr>
+          <a:xfrm flipH="1">
+            <a:off x="6365952" y="4848446"/>
+            <a:ext cx="5754949" cy="369332"/>
+          </a:xfrm>
+          <a:prstGeom prst="rect">
+            <a:avLst/>
+          </a:prstGeom>
+          <a:noFill/>
+        </p:spPr>
+        <p:txBody>
           <a:bodyPr wrap="square" rtlCol="0">
             <a:spAutoFit/>
           </a:bodyPr>
           <a:lstStyle/>
           <a:p>
             <a:r>
-              <a:rPr kumimoji="1" lang="ja-JP" altLang="en-US" dirty="0"/>
-              <a:t>攻撃対象の設定には</a:t>
-            </a:r>
+              <a:rPr lang="ja-JP" altLang="en-US" dirty="0"/>
+              <a:t>実際の実装例は</a:t>
+            </a:r>
+            <a:r>
+              <a:rPr lang="en-US" altLang="ja-JP" dirty="0" err="1"/>
+              <a:t>MiniTank.cs</a:t>
+            </a:r>
+            <a:r>
+              <a:rPr lang="ja-JP" altLang="en-US" dirty="0"/>
+              <a:t>を参照してほしいです</a:t>
+            </a:r>
+            <a:endParaRPr kumimoji="1" lang="ja-JP" altLang="en-US" dirty="0"/>
           </a:p>
         </p:txBody>
       </p:sp>
     </p:spTree>
     <p:extLst>
       <p:ext uri="{BB962C8B-B14F-4D97-AF65-F5344CB8AC3E}">
-        <p14:creationId xmlns:p14="http://schemas.microsoft.com/office/powerpoint/2010/main" val="2090331772"/>
+        <p14:creationId xmlns:p14="http://schemas.microsoft.com/office/powerpoint/2010/main" val="1099062626"/>
+      </p:ext>
+    </p:extLst>
+  </p:cSld>
+  <p:clrMapOvr>
+    <a:masterClrMapping/>
+  </p:clrMapOvr>
+</p:sld>
+</file>
+
+<file path=ppt/slides/slide3.xml><?xml version="1.0" encoding="utf-8"?>
+<p:sld xmlns:a="http://schemas.openxmlformats.org/drawingml/2006/main" xmlns:r="http://schemas.openxmlformats.org/officeDocument/2006/relationships" xmlns:p="http://schemas.openxmlformats.org/presentationml/2006/main">
+  <p:cSld>
+    <p:spTree>
+      <p:nvGrpSpPr>
+        <p:cNvPr id="1" name=""/>
+        <p:cNvGrpSpPr/>
+        <p:nvPr/>
+      </p:nvGrpSpPr>
+      <p:grpSpPr>
+        <a:xfrm>
+          <a:off x="0" y="0"/>
+          <a:ext cx="0" cy="0"/>
+          <a:chOff x="0" y="0"/>
+          <a:chExt cx="0" cy="0"/>
+        </a:xfrm>
+      </p:grpSpPr>
+      <p:sp>
+        <p:nvSpPr>
+          <p:cNvPr id="5" name="テキスト ボックス 4">
+            <a:extLst>
+              <a:ext uri="{FF2B5EF4-FFF2-40B4-BE49-F238E27FC236}">
+                <a16:creationId xmlns:a16="http://schemas.microsoft.com/office/drawing/2014/main" id="{F2984D0E-5D6F-B32D-DD78-E4EF89A1CD64}"/>
+              </a:ext>
+            </a:extLst>
+          </p:cNvPr>
+          <p:cNvSpPr txBox="1"/>
+          <p:nvPr/>
+        </p:nvSpPr>
+        <p:spPr>
+          <a:xfrm>
+            <a:off x="537882" y="322729"/>
+            <a:ext cx="1544012" cy="369332"/>
+          </a:xfrm>
+          <a:prstGeom prst="rect">
+            <a:avLst/>
+          </a:prstGeom>
+          <a:noFill/>
+          <a:ln>
+            <a:solidFill>
+              <a:schemeClr val="tx1"/>
+            </a:solidFill>
+          </a:ln>
+        </p:spPr>
+        <p:txBody>
+          <a:bodyPr wrap="none" rtlCol="0">
+            <a:spAutoFit/>
+          </a:bodyPr>
+          <a:lstStyle/>
+          <a:p>
+            <a:r>
+              <a:rPr lang="en-US" altLang="ja-JP" dirty="0"/>
+              <a:t>Enemy(</a:t>
+            </a:r>
+            <a:r>
+              <a:rPr lang="ja-JP" altLang="en-US" dirty="0"/>
+              <a:t>抽象</a:t>
+            </a:r>
+            <a:r>
+              <a:rPr lang="en-US" altLang="ja-JP" dirty="0"/>
+              <a:t>)</a:t>
+            </a:r>
+            <a:endParaRPr kumimoji="1" lang="ja-JP" altLang="en-US" dirty="0"/>
+          </a:p>
+        </p:txBody>
+      </p:sp>
+    </p:spTree>
+    <p:extLst>
+      <p:ext uri="{BB962C8B-B14F-4D97-AF65-F5344CB8AC3E}">
+        <p14:creationId xmlns:p14="http://schemas.microsoft.com/office/powerpoint/2010/main" val="2494859017"/>
       </p:ext>
     </p:extLst>
   </p:cSld>
@@ -4391,6 +5142,21 @@
 </file>
 
 <file path=customXml/item1.xml><?xml version="1.0" encoding="utf-8"?>
+<p:properties xmlns:p="http://schemas.microsoft.com/office/2006/metadata/properties" xmlns:xsi="http://www.w3.org/2001/XMLSchema-instance" xmlns:pc="http://schemas.microsoft.com/office/infopath/2007/PartnerControls">
+  <documentManagement/>
+</p:properties>
+</file>
+
+<file path=customXml/item2.xml><?xml version="1.0" encoding="utf-8"?>
+<?mso-contentType ?>
+<FormTemplates xmlns="http://schemas.microsoft.com/sharepoint/v3/contenttype/forms">
+  <Display>DocumentLibraryForm</Display>
+  <Edit>DocumentLibraryForm</Edit>
+  <New>DocumentLibraryForm</New>
+</FormTemplates>
+</file>
+
+<file path=customXml/item3.xml><?xml version="1.0" encoding="utf-8"?>
 <ct:contentTypeSchema xmlns:ct="http://schemas.microsoft.com/office/2006/metadata/contentType" xmlns:ma="http://schemas.microsoft.com/office/2006/metadata/properties/metaAttributes" ct:_="" ma:_="" ma:contentTypeName="ドキュメント" ma:contentTypeID="0x0101009C891E010EDA3F45BF61A30723688D81" ma:contentTypeVersion="3" ma:contentTypeDescription="新しいドキュメントを作成します。" ma:contentTypeScope="" ma:versionID="1f6eba421280105da960c9960f45ce5f">
   <xsd:schema xmlns:xsd="http://www.w3.org/2001/XMLSchema" xmlns:xs="http://www.w3.org/2001/XMLSchema" xmlns:p="http://schemas.microsoft.com/office/2006/metadata/properties" xmlns:ns3="55a9e873-8d4f-437a-937d-d52930f84d1f" targetNamespace="http://schemas.microsoft.com/office/2006/metadata/properties" ma:root="true" ma:fieldsID="0bcc4f3e3cd1babd41b1fde1488bc685" ns3:_="">
     <xsd:import namespace="55a9e873-8d4f-437a-937d-d52930f84d1f"/>
@@ -4528,22 +5294,31 @@
 </ct:contentTypeSchema>
 </file>
 
-<file path=customXml/item2.xml><?xml version="1.0" encoding="utf-8"?>
-<?mso-contentType ?>
-<FormTemplates xmlns="http://schemas.microsoft.com/sharepoint/v3/contenttype/forms">
-  <Display>DocumentLibraryForm</Display>
-  <Edit>DocumentLibraryForm</Edit>
-  <New>DocumentLibraryForm</New>
-</FormTemplates>
+<file path=customXml/itemProps1.xml><?xml version="1.0" encoding="utf-8"?>
+<ds:datastoreItem xmlns:ds="http://schemas.openxmlformats.org/officeDocument/2006/customXml" ds:itemID="{CD0AF6FD-47F6-4677-B9FB-039C32F13AB4}">
+  <ds:schemaRefs>
+    <ds:schemaRef ds:uri="http://schemas.microsoft.com/office/infopath/2007/PartnerControls"/>
+    <ds:schemaRef ds:uri="http://www.w3.org/XML/1998/namespace"/>
+    <ds:schemaRef ds:uri="http://purl.org/dc/dcmitype/"/>
+    <ds:schemaRef ds:uri="http://purl.org/dc/elements/1.1/"/>
+    <ds:schemaRef ds:uri="http://schemas.microsoft.com/office/2006/documentManagement/types"/>
+    <ds:schemaRef ds:uri="http://schemas.openxmlformats.org/package/2006/metadata/core-properties"/>
+    <ds:schemaRef ds:uri="55a9e873-8d4f-437a-937d-d52930f84d1f"/>
+    <ds:schemaRef ds:uri="http://schemas.microsoft.com/office/2006/metadata/properties"/>
+    <ds:schemaRef ds:uri="http://purl.org/dc/terms/"/>
+  </ds:schemaRefs>
+</ds:datastoreItem>
 </file>
 
-<file path=customXml/item3.xml><?xml version="1.0" encoding="utf-8"?>
-<p:properties xmlns:p="http://schemas.microsoft.com/office/2006/metadata/properties" xmlns:xsi="http://www.w3.org/2001/XMLSchema-instance" xmlns:pc="http://schemas.microsoft.com/office/infopath/2007/PartnerControls">
-  <documentManagement/>
-</p:properties>
+<file path=customXml/itemProps2.xml><?xml version="1.0" encoding="utf-8"?>
+<ds:datastoreItem xmlns:ds="http://schemas.openxmlformats.org/officeDocument/2006/customXml" ds:itemID="{568A6394-49E7-4520-AE11-1DC2E32D8849}">
+  <ds:schemaRefs>
+    <ds:schemaRef ds:uri="http://schemas.microsoft.com/sharepoint/v3/contenttype/forms"/>
+  </ds:schemaRefs>
+</ds:datastoreItem>
 </file>
 
-<file path=customXml/itemProps1.xml><?xml version="1.0" encoding="utf-8"?>
+<file path=customXml/itemProps3.xml><?xml version="1.0" encoding="utf-8"?>
 <ds:datastoreItem xmlns:ds="http://schemas.openxmlformats.org/officeDocument/2006/customXml" ds:itemID="{7DA996B2-78C2-4EB3-8996-2F102DAF2E32}">
   <ds:schemaRefs>
     <ds:schemaRef ds:uri="http://schemas.microsoft.com/office/2006/metadata/contentType"/>
@@ -4559,28 +5334,4 @@
     <ds:schemaRef ds:uri="http://schemas.microsoft.com/internal/obd"/>
   </ds:schemaRefs>
 </ds:datastoreItem>
-</file>
-
-<file path=customXml/itemProps2.xml><?xml version="1.0" encoding="utf-8"?>
-<ds:datastoreItem xmlns:ds="http://schemas.openxmlformats.org/officeDocument/2006/customXml" ds:itemID="{568A6394-49E7-4520-AE11-1DC2E32D8849}">
-  <ds:schemaRefs>
-    <ds:schemaRef ds:uri="http://schemas.microsoft.com/sharepoint/v3/contenttype/forms"/>
-  </ds:schemaRefs>
-</ds:datastoreItem>
-</file>
-
-<file path=customXml/itemProps3.xml><?xml version="1.0" encoding="utf-8"?>
-<ds:datastoreItem xmlns:ds="http://schemas.openxmlformats.org/officeDocument/2006/customXml" ds:itemID="{CD0AF6FD-47F6-4677-B9FB-039C32F13AB4}">
-  <ds:schemaRefs>
-    <ds:schemaRef ds:uri="http://schemas.microsoft.com/office/infopath/2007/PartnerControls"/>
-    <ds:schemaRef ds:uri="http://www.w3.org/XML/1998/namespace"/>
-    <ds:schemaRef ds:uri="http://purl.org/dc/dcmitype/"/>
-    <ds:schemaRef ds:uri="http://purl.org/dc/elements/1.1/"/>
-    <ds:schemaRef ds:uri="http://schemas.microsoft.com/office/2006/documentManagement/types"/>
-    <ds:schemaRef ds:uri="http://schemas.openxmlformats.org/package/2006/metadata/core-properties"/>
-    <ds:schemaRef ds:uri="55a9e873-8d4f-437a-937d-d52930f84d1f"/>
-    <ds:schemaRef ds:uri="http://schemas.microsoft.com/office/2006/metadata/properties"/>
-    <ds:schemaRef ds:uri="http://purl.org/dc/terms/"/>
-  </ds:schemaRefs>
-</ds:datastoreItem>
 </file>
--- a/class説明.pptx
+++ b/class説明.pptx
@@ -261,7 +261,7 @@
           <a:p>
             <a:fld id="{46D9AE6D-250F-4900-B083-4E91EB492EBA}" type="datetimeFigureOut">
               <a:rPr kumimoji="1" lang="ja-JP" altLang="en-US" smtClean="0"/>
-              <a:t>2023/9/8</a:t>
+              <a:t>2023/9/10</a:t>
             </a:fld>
             <a:endParaRPr kumimoji="1" lang="ja-JP" altLang="en-US"/>
           </a:p>
@@ -491,7 +491,7 @@
           <a:p>
             <a:fld id="{46D9AE6D-250F-4900-B083-4E91EB492EBA}" type="datetimeFigureOut">
               <a:rPr kumimoji="1" lang="ja-JP" altLang="en-US" smtClean="0"/>
-              <a:t>2023/9/8</a:t>
+              <a:t>2023/9/10</a:t>
             </a:fld>
             <a:endParaRPr kumimoji="1" lang="ja-JP" altLang="en-US"/>
           </a:p>
@@ -731,7 +731,7 @@
           <a:p>
             <a:fld id="{46D9AE6D-250F-4900-B083-4E91EB492EBA}" type="datetimeFigureOut">
               <a:rPr kumimoji="1" lang="ja-JP" altLang="en-US" smtClean="0"/>
-              <a:t>2023/9/8</a:t>
+              <a:t>2023/9/10</a:t>
             </a:fld>
             <a:endParaRPr kumimoji="1" lang="ja-JP" altLang="en-US"/>
           </a:p>
@@ -961,7 +961,7 @@
           <a:p>
             <a:fld id="{46D9AE6D-250F-4900-B083-4E91EB492EBA}" type="datetimeFigureOut">
               <a:rPr kumimoji="1" lang="ja-JP" altLang="en-US" smtClean="0"/>
-              <a:t>2023/9/8</a:t>
+              <a:t>2023/9/10</a:t>
             </a:fld>
             <a:endParaRPr kumimoji="1" lang="ja-JP" altLang="en-US"/>
           </a:p>
@@ -1236,7 +1236,7 @@
           <a:p>
             <a:fld id="{46D9AE6D-250F-4900-B083-4E91EB492EBA}" type="datetimeFigureOut">
               <a:rPr kumimoji="1" lang="ja-JP" altLang="en-US" smtClean="0"/>
-              <a:t>2023/9/8</a:t>
+              <a:t>2023/9/10</a:t>
             </a:fld>
             <a:endParaRPr kumimoji="1" lang="ja-JP" altLang="en-US"/>
           </a:p>
@@ -1565,7 +1565,7 @@
           <a:p>
             <a:fld id="{46D9AE6D-250F-4900-B083-4E91EB492EBA}" type="datetimeFigureOut">
               <a:rPr kumimoji="1" lang="ja-JP" altLang="en-US" smtClean="0"/>
-              <a:t>2023/9/8</a:t>
+              <a:t>2023/9/10</a:t>
             </a:fld>
             <a:endParaRPr kumimoji="1" lang="ja-JP" altLang="en-US"/>
           </a:p>
@@ -2041,7 +2041,7 @@
           <a:p>
             <a:fld id="{46D9AE6D-250F-4900-B083-4E91EB492EBA}" type="datetimeFigureOut">
               <a:rPr kumimoji="1" lang="ja-JP" altLang="en-US" smtClean="0"/>
-              <a:t>2023/9/8</a:t>
+              <a:t>2023/9/10</a:t>
             </a:fld>
             <a:endParaRPr kumimoji="1" lang="ja-JP" altLang="en-US"/>
           </a:p>
@@ -2182,7 +2182,7 @@
           <a:p>
             <a:fld id="{46D9AE6D-250F-4900-B083-4E91EB492EBA}" type="datetimeFigureOut">
               <a:rPr kumimoji="1" lang="ja-JP" altLang="en-US" smtClean="0"/>
-              <a:t>2023/9/8</a:t>
+              <a:t>2023/9/10</a:t>
             </a:fld>
             <a:endParaRPr kumimoji="1" lang="ja-JP" altLang="en-US"/>
           </a:p>
@@ -2295,7 +2295,7 @@
           <a:p>
             <a:fld id="{46D9AE6D-250F-4900-B083-4E91EB492EBA}" type="datetimeFigureOut">
               <a:rPr kumimoji="1" lang="ja-JP" altLang="en-US" smtClean="0"/>
-              <a:t>2023/9/8</a:t>
+              <a:t>2023/9/10</a:t>
             </a:fld>
             <a:endParaRPr kumimoji="1" lang="ja-JP" altLang="en-US"/>
           </a:p>
@@ -2638,7 +2638,7 @@
           <a:p>
             <a:fld id="{46D9AE6D-250F-4900-B083-4E91EB492EBA}" type="datetimeFigureOut">
               <a:rPr kumimoji="1" lang="ja-JP" altLang="en-US" smtClean="0"/>
-              <a:t>2023/9/8</a:t>
+              <a:t>2023/9/10</a:t>
             </a:fld>
             <a:endParaRPr kumimoji="1" lang="ja-JP" altLang="en-US"/>
           </a:p>
@@ -2926,7 +2926,7 @@
           <a:p>
             <a:fld id="{46D9AE6D-250F-4900-B083-4E91EB492EBA}" type="datetimeFigureOut">
               <a:rPr kumimoji="1" lang="ja-JP" altLang="en-US" smtClean="0"/>
-              <a:t>2023/9/8</a:t>
+              <a:t>2023/9/10</a:t>
             </a:fld>
             <a:endParaRPr kumimoji="1" lang="ja-JP" altLang="en-US"/>
           </a:p>
@@ -3199,7 +3199,7 @@
           <a:p>
             <a:fld id="{46D9AE6D-250F-4900-B083-4E91EB492EBA}" type="datetimeFigureOut">
               <a:rPr kumimoji="1" lang="ja-JP" altLang="en-US" smtClean="0"/>
-              <a:t>2023/9/8</a:t>
+              <a:t>2023/9/10</a:t>
             </a:fld>
             <a:endParaRPr kumimoji="1" lang="ja-JP" altLang="en-US"/>
           </a:p>
@@ -4798,7 +4798,7 @@
         </p:nvSpPr>
         <p:spPr>
           <a:xfrm>
-            <a:off x="537882" y="322729"/>
+            <a:off x="293368" y="1059418"/>
             <a:ext cx="1544012" cy="369332"/>
           </a:xfrm>
           <a:prstGeom prst="rect">
@@ -4830,6 +4830,50 @@
               <a:t>)</a:t>
             </a:r>
             <a:endParaRPr kumimoji="1" lang="ja-JP" altLang="en-US" dirty="0"/>
+          </a:p>
+        </p:txBody>
+      </p:sp>
+      <p:sp>
+        <p:nvSpPr>
+          <p:cNvPr id="2" name="テキスト ボックス 1">
+            <a:extLst>
+              <a:ext uri="{FF2B5EF4-FFF2-40B4-BE49-F238E27FC236}">
+                <a16:creationId xmlns:a16="http://schemas.microsoft.com/office/drawing/2014/main" id="{0456E7BF-2292-E290-585E-9C2800E07BE6}"/>
+              </a:ext>
+            </a:extLst>
+          </p:cNvPr>
+          <p:cNvSpPr txBox="1"/>
+          <p:nvPr/>
+        </p:nvSpPr>
+        <p:spPr>
+          <a:xfrm flipH="1">
+            <a:off x="293368" y="227479"/>
+            <a:ext cx="1649731" cy="369332"/>
+          </a:xfrm>
+          <a:prstGeom prst="rect">
+            <a:avLst/>
+          </a:prstGeom>
+          <a:noFill/>
+          <a:ln w="28575">
+            <a:solidFill>
+              <a:schemeClr val="tx1"/>
+            </a:solidFill>
+          </a:ln>
+        </p:spPr>
+        <p:txBody>
+          <a:bodyPr wrap="square" rtlCol="0">
+            <a:spAutoFit/>
+          </a:bodyPr>
+          <a:lstStyle/>
+          <a:p>
+            <a:r>
+              <a:rPr kumimoji="1" lang="en-US" altLang="ja-JP" dirty="0"/>
+              <a:t>Enemy</a:t>
+            </a:r>
+            <a:r>
+              <a:rPr kumimoji="1" lang="ja-JP" altLang="en-US" dirty="0"/>
+              <a:t>実装例</a:t>
+            </a:r>
           </a:p>
         </p:txBody>
       </p:sp>
@@ -5142,21 +5186,6 @@
 </file>
 
 <file path=customXml/item1.xml><?xml version="1.0" encoding="utf-8"?>
-<p:properties xmlns:p="http://schemas.microsoft.com/office/2006/metadata/properties" xmlns:xsi="http://www.w3.org/2001/XMLSchema-instance" xmlns:pc="http://schemas.microsoft.com/office/infopath/2007/PartnerControls">
-  <documentManagement/>
-</p:properties>
-</file>
-
-<file path=customXml/item2.xml><?xml version="1.0" encoding="utf-8"?>
-<?mso-contentType ?>
-<FormTemplates xmlns="http://schemas.microsoft.com/sharepoint/v3/contenttype/forms">
-  <Display>DocumentLibraryForm</Display>
-  <Edit>DocumentLibraryForm</Edit>
-  <New>DocumentLibraryForm</New>
-</FormTemplates>
-</file>
-
-<file path=customXml/item3.xml><?xml version="1.0" encoding="utf-8"?>
 <ct:contentTypeSchema xmlns:ct="http://schemas.microsoft.com/office/2006/metadata/contentType" xmlns:ma="http://schemas.microsoft.com/office/2006/metadata/properties/metaAttributes" ct:_="" ma:_="" ma:contentTypeName="ドキュメント" ma:contentTypeID="0x0101009C891E010EDA3F45BF61A30723688D81" ma:contentTypeVersion="3" ma:contentTypeDescription="新しいドキュメントを作成します。" ma:contentTypeScope="" ma:versionID="1f6eba421280105da960c9960f45ce5f">
   <xsd:schema xmlns:xsd="http://www.w3.org/2001/XMLSchema" xmlns:xs="http://www.w3.org/2001/XMLSchema" xmlns:p="http://schemas.microsoft.com/office/2006/metadata/properties" xmlns:ns3="55a9e873-8d4f-437a-937d-d52930f84d1f" targetNamespace="http://schemas.microsoft.com/office/2006/metadata/properties" ma:root="true" ma:fieldsID="0bcc4f3e3cd1babd41b1fde1488bc685" ns3:_="">
     <xsd:import namespace="55a9e873-8d4f-437a-937d-d52930f84d1f"/>
@@ -5294,31 +5323,22 @@
 </ct:contentTypeSchema>
 </file>
 
-<file path=customXml/itemProps1.xml><?xml version="1.0" encoding="utf-8"?>
-<ds:datastoreItem xmlns:ds="http://schemas.openxmlformats.org/officeDocument/2006/customXml" ds:itemID="{CD0AF6FD-47F6-4677-B9FB-039C32F13AB4}">
-  <ds:schemaRefs>
-    <ds:schemaRef ds:uri="http://schemas.microsoft.com/office/infopath/2007/PartnerControls"/>
-    <ds:schemaRef ds:uri="http://www.w3.org/XML/1998/namespace"/>
-    <ds:schemaRef ds:uri="http://purl.org/dc/dcmitype/"/>
-    <ds:schemaRef ds:uri="http://purl.org/dc/elements/1.1/"/>
-    <ds:schemaRef ds:uri="http://schemas.microsoft.com/office/2006/documentManagement/types"/>
-    <ds:schemaRef ds:uri="http://schemas.openxmlformats.org/package/2006/metadata/core-properties"/>
-    <ds:schemaRef ds:uri="55a9e873-8d4f-437a-937d-d52930f84d1f"/>
-    <ds:schemaRef ds:uri="http://schemas.microsoft.com/office/2006/metadata/properties"/>
-    <ds:schemaRef ds:uri="http://purl.org/dc/terms/"/>
-  </ds:schemaRefs>
-</ds:datastoreItem>
+<file path=customXml/item2.xml><?xml version="1.0" encoding="utf-8"?>
+<?mso-contentType ?>
+<FormTemplates xmlns="http://schemas.microsoft.com/sharepoint/v3/contenttype/forms">
+  <Display>DocumentLibraryForm</Display>
+  <Edit>DocumentLibraryForm</Edit>
+  <New>DocumentLibraryForm</New>
+</FormTemplates>
 </file>
 
-<file path=customXml/itemProps2.xml><?xml version="1.0" encoding="utf-8"?>
-<ds:datastoreItem xmlns:ds="http://schemas.openxmlformats.org/officeDocument/2006/customXml" ds:itemID="{568A6394-49E7-4520-AE11-1DC2E32D8849}">
-  <ds:schemaRefs>
-    <ds:schemaRef ds:uri="http://schemas.microsoft.com/sharepoint/v3/contenttype/forms"/>
-  </ds:schemaRefs>
-</ds:datastoreItem>
+<file path=customXml/item3.xml><?xml version="1.0" encoding="utf-8"?>
+<p:properties xmlns:p="http://schemas.microsoft.com/office/2006/metadata/properties" xmlns:xsi="http://www.w3.org/2001/XMLSchema-instance" xmlns:pc="http://schemas.microsoft.com/office/infopath/2007/PartnerControls">
+  <documentManagement/>
+</p:properties>
 </file>
 
-<file path=customXml/itemProps3.xml><?xml version="1.0" encoding="utf-8"?>
+<file path=customXml/itemProps1.xml><?xml version="1.0" encoding="utf-8"?>
 <ds:datastoreItem xmlns:ds="http://schemas.openxmlformats.org/officeDocument/2006/customXml" ds:itemID="{7DA996B2-78C2-4EB3-8996-2F102DAF2E32}">
   <ds:schemaRefs>
     <ds:schemaRef ds:uri="http://schemas.microsoft.com/office/2006/metadata/contentType"/>
@@ -5334,4 +5354,28 @@
     <ds:schemaRef ds:uri="http://schemas.microsoft.com/internal/obd"/>
   </ds:schemaRefs>
 </ds:datastoreItem>
+</file>
+
+<file path=customXml/itemProps2.xml><?xml version="1.0" encoding="utf-8"?>
+<ds:datastoreItem xmlns:ds="http://schemas.openxmlformats.org/officeDocument/2006/customXml" ds:itemID="{568A6394-49E7-4520-AE11-1DC2E32D8849}">
+  <ds:schemaRefs>
+    <ds:schemaRef ds:uri="http://schemas.microsoft.com/sharepoint/v3/contenttype/forms"/>
+  </ds:schemaRefs>
+</ds:datastoreItem>
+</file>
+
+<file path=customXml/itemProps3.xml><?xml version="1.0" encoding="utf-8"?>
+<ds:datastoreItem xmlns:ds="http://schemas.openxmlformats.org/officeDocument/2006/customXml" ds:itemID="{CD0AF6FD-47F6-4677-B9FB-039C32F13AB4}">
+  <ds:schemaRefs>
+    <ds:schemaRef ds:uri="http://schemas.microsoft.com/office/infopath/2007/PartnerControls"/>
+    <ds:schemaRef ds:uri="http://www.w3.org/XML/1998/namespace"/>
+    <ds:schemaRef ds:uri="http://purl.org/dc/dcmitype/"/>
+    <ds:schemaRef ds:uri="http://purl.org/dc/elements/1.1/"/>
+    <ds:schemaRef ds:uri="http://schemas.microsoft.com/office/2006/documentManagement/types"/>
+    <ds:schemaRef ds:uri="http://schemas.openxmlformats.org/package/2006/metadata/core-properties"/>
+    <ds:schemaRef ds:uri="55a9e873-8d4f-437a-937d-d52930f84d1f"/>
+    <ds:schemaRef ds:uri="http://schemas.microsoft.com/office/2006/metadata/properties"/>
+    <ds:schemaRef ds:uri="http://purl.org/dc/terms/"/>
+  </ds:schemaRefs>
+</ds:datastoreItem>
 </file>
--- a/class説明.pptx
+++ b/class説明.pptx
@@ -261,7 +261,7 @@
           <a:p>
             <a:fld id="{46D9AE6D-250F-4900-B083-4E91EB492EBA}" type="datetimeFigureOut">
               <a:rPr kumimoji="1" lang="ja-JP" altLang="en-US" smtClean="0"/>
-              <a:t>2023/9/10</a:t>
+              <a:t>2023/10/5</a:t>
             </a:fld>
             <a:endParaRPr kumimoji="1" lang="ja-JP" altLang="en-US"/>
           </a:p>
@@ -491,7 +491,7 @@
           <a:p>
             <a:fld id="{46D9AE6D-250F-4900-B083-4E91EB492EBA}" type="datetimeFigureOut">
               <a:rPr kumimoji="1" lang="ja-JP" altLang="en-US" smtClean="0"/>
-              <a:t>2023/9/10</a:t>
+              <a:t>2023/10/5</a:t>
             </a:fld>
             <a:endParaRPr kumimoji="1" lang="ja-JP" altLang="en-US"/>
           </a:p>
@@ -731,7 +731,7 @@
           <a:p>
             <a:fld id="{46D9AE6D-250F-4900-B083-4E91EB492EBA}" type="datetimeFigureOut">
               <a:rPr kumimoji="1" lang="ja-JP" altLang="en-US" smtClean="0"/>
-              <a:t>2023/9/10</a:t>
+              <a:t>2023/10/5</a:t>
             </a:fld>
             <a:endParaRPr kumimoji="1" lang="ja-JP" altLang="en-US"/>
           </a:p>
@@ -961,7 +961,7 @@
           <a:p>
             <a:fld id="{46D9AE6D-250F-4900-B083-4E91EB492EBA}" type="datetimeFigureOut">
               <a:rPr kumimoji="1" lang="ja-JP" altLang="en-US" smtClean="0"/>
-              <a:t>2023/9/10</a:t>
+              <a:t>2023/10/5</a:t>
             </a:fld>
             <a:endParaRPr kumimoji="1" lang="ja-JP" altLang="en-US"/>
           </a:p>
@@ -1236,7 +1236,7 @@
           <a:p>
             <a:fld id="{46D9AE6D-250F-4900-B083-4E91EB492EBA}" type="datetimeFigureOut">
               <a:rPr kumimoji="1" lang="ja-JP" altLang="en-US" smtClean="0"/>
-              <a:t>2023/9/10</a:t>
+              <a:t>2023/10/5</a:t>
             </a:fld>
             <a:endParaRPr kumimoji="1" lang="ja-JP" altLang="en-US"/>
           </a:p>
@@ -1565,7 +1565,7 @@
           <a:p>
             <a:fld id="{46D9AE6D-250F-4900-B083-4E91EB492EBA}" type="datetimeFigureOut">
               <a:rPr kumimoji="1" lang="ja-JP" altLang="en-US" smtClean="0"/>
-              <a:t>2023/9/10</a:t>
+              <a:t>2023/10/5</a:t>
             </a:fld>
             <a:endParaRPr kumimoji="1" lang="ja-JP" altLang="en-US"/>
           </a:p>
@@ -2041,7 +2041,7 @@
           <a:p>
             <a:fld id="{46D9AE6D-250F-4900-B083-4E91EB492EBA}" type="datetimeFigureOut">
               <a:rPr kumimoji="1" lang="ja-JP" altLang="en-US" smtClean="0"/>
-              <a:t>2023/9/10</a:t>
+              <a:t>2023/10/5</a:t>
             </a:fld>
             <a:endParaRPr kumimoji="1" lang="ja-JP" altLang="en-US"/>
           </a:p>
@@ -2182,7 +2182,7 @@
           <a:p>
             <a:fld id="{46D9AE6D-250F-4900-B083-4E91EB492EBA}" type="datetimeFigureOut">
               <a:rPr kumimoji="1" lang="ja-JP" altLang="en-US" smtClean="0"/>
-              <a:t>2023/9/10</a:t>
+              <a:t>2023/10/5</a:t>
             </a:fld>
             <a:endParaRPr kumimoji="1" lang="ja-JP" altLang="en-US"/>
           </a:p>
@@ -2295,7 +2295,7 @@
           <a:p>
             <a:fld id="{46D9AE6D-250F-4900-B083-4E91EB492EBA}" type="datetimeFigureOut">
               <a:rPr kumimoji="1" lang="ja-JP" altLang="en-US" smtClean="0"/>
-              <a:t>2023/9/10</a:t>
+              <a:t>2023/10/5</a:t>
             </a:fld>
             <a:endParaRPr kumimoji="1" lang="ja-JP" altLang="en-US"/>
           </a:p>
@@ -2638,7 +2638,7 @@
           <a:p>
             <a:fld id="{46D9AE6D-250F-4900-B083-4E91EB492EBA}" type="datetimeFigureOut">
               <a:rPr kumimoji="1" lang="ja-JP" altLang="en-US" smtClean="0"/>
-              <a:t>2023/9/10</a:t>
+              <a:t>2023/10/5</a:t>
             </a:fld>
             <a:endParaRPr kumimoji="1" lang="ja-JP" altLang="en-US"/>
           </a:p>
@@ -2926,7 +2926,7 @@
           <a:p>
             <a:fld id="{46D9AE6D-250F-4900-B083-4E91EB492EBA}" type="datetimeFigureOut">
               <a:rPr kumimoji="1" lang="ja-JP" altLang="en-US" smtClean="0"/>
-              <a:t>2023/9/10</a:t>
+              <a:t>2023/10/5</a:t>
             </a:fld>
             <a:endParaRPr kumimoji="1" lang="ja-JP" altLang="en-US"/>
           </a:p>
@@ -3199,7 +3199,7 @@
           <a:p>
             <a:fld id="{46D9AE6D-250F-4900-B083-4E91EB492EBA}" type="datetimeFigureOut">
               <a:rPr kumimoji="1" lang="ja-JP" altLang="en-US" smtClean="0"/>
-              <a:t>2023/9/10</a:t>
+              <a:t>2023/10/5</a:t>
             </a:fld>
             <a:endParaRPr kumimoji="1" lang="ja-JP" altLang="en-US"/>
           </a:p>
@@ -4786,55 +4786,6 @@
       </p:grpSpPr>
       <p:sp>
         <p:nvSpPr>
-          <p:cNvPr id="5" name="テキスト ボックス 4">
-            <a:extLst>
-              <a:ext uri="{FF2B5EF4-FFF2-40B4-BE49-F238E27FC236}">
-                <a16:creationId xmlns:a16="http://schemas.microsoft.com/office/drawing/2014/main" id="{F2984D0E-5D6F-B32D-DD78-E4EF89A1CD64}"/>
-              </a:ext>
-            </a:extLst>
-          </p:cNvPr>
-          <p:cNvSpPr txBox="1"/>
-          <p:nvPr/>
-        </p:nvSpPr>
-        <p:spPr>
-          <a:xfrm>
-            <a:off x="293368" y="1059418"/>
-            <a:ext cx="1544012" cy="369332"/>
-          </a:xfrm>
-          <a:prstGeom prst="rect">
-            <a:avLst/>
-          </a:prstGeom>
-          <a:noFill/>
-          <a:ln>
-            <a:solidFill>
-              <a:schemeClr val="tx1"/>
-            </a:solidFill>
-          </a:ln>
-        </p:spPr>
-        <p:txBody>
-          <a:bodyPr wrap="none" rtlCol="0">
-            <a:spAutoFit/>
-          </a:bodyPr>
-          <a:lstStyle/>
-          <a:p>
-            <a:r>
-              <a:rPr lang="en-US" altLang="ja-JP" dirty="0"/>
-              <a:t>Enemy(</a:t>
-            </a:r>
-            <a:r>
-              <a:rPr lang="ja-JP" altLang="en-US" dirty="0"/>
-              <a:t>抽象</a:t>
-            </a:r>
-            <a:r>
-              <a:rPr lang="en-US" altLang="ja-JP" dirty="0"/>
-              <a:t>)</a:t>
-            </a:r>
-            <a:endParaRPr kumimoji="1" lang="ja-JP" altLang="en-US" dirty="0"/>
-          </a:p>
-        </p:txBody>
-      </p:sp>
-      <p:sp>
-        <p:nvSpPr>
           <p:cNvPr id="2" name="テキスト ボックス 1">
             <a:extLst>
               <a:ext uri="{FF2B5EF4-FFF2-40B4-BE49-F238E27FC236}">
@@ -4873,6 +4824,61 @@
             <a:r>
               <a:rPr kumimoji="1" lang="ja-JP" altLang="en-US" dirty="0"/>
               <a:t>実装例</a:t>
+            </a:r>
+          </a:p>
+        </p:txBody>
+      </p:sp>
+      <p:sp>
+        <p:nvSpPr>
+          <p:cNvPr id="3" name="テキスト ボックス 2">
+            <a:extLst>
+              <a:ext uri="{FF2B5EF4-FFF2-40B4-BE49-F238E27FC236}">
+                <a16:creationId xmlns:a16="http://schemas.microsoft.com/office/drawing/2014/main" id="{930D5632-18D1-2763-A8DA-08C62B7E4F9F}"/>
+              </a:ext>
+            </a:extLst>
+          </p:cNvPr>
+          <p:cNvSpPr txBox="1"/>
+          <p:nvPr/>
+        </p:nvSpPr>
+        <p:spPr>
+          <a:xfrm>
+            <a:off x="2133600" y="3059668"/>
+            <a:ext cx="7924800" cy="369332"/>
+          </a:xfrm>
+          <a:prstGeom prst="rect">
+            <a:avLst/>
+          </a:prstGeom>
+          <a:noFill/>
+        </p:spPr>
+        <p:txBody>
+          <a:bodyPr wrap="square" rtlCol="0">
+            <a:spAutoFit/>
+          </a:bodyPr>
+          <a:lstStyle/>
+          <a:p>
+            <a:r>
+              <a:rPr kumimoji="1" lang="ja-JP" altLang="en-US" dirty="0"/>
+              <a:t>（</a:t>
+            </a:r>
+            <a:r>
+              <a:rPr lang="ja-JP" altLang="en-US" dirty="0"/>
+              <a:t>パワポで書くの辛すぎたので</a:t>
+            </a:r>
+            <a:r>
+              <a:rPr lang="en-US" altLang="ja-JP" dirty="0" err="1"/>
+              <a:t>drawio</a:t>
+            </a:r>
+            <a:r>
+              <a:rPr lang="ja-JP" altLang="en-US" dirty="0"/>
+              <a:t>ファイル参照してください</a:t>
+            </a:r>
+            <a:r>
+              <a:rPr lang="en-US" altLang="ja-JP" dirty="0"/>
+              <a:t>…</a:t>
+            </a:r>
+            <a:r>
+              <a:rPr kumimoji="1" lang="ja-JP" altLang="en-US" dirty="0"/>
+              <a:t>）</a:t>
             </a:r>
           </a:p>
         </p:txBody>
@@ -5186,6 +5192,21 @@
 </file>
 
 <file path=customXml/item1.xml><?xml version="1.0" encoding="utf-8"?>
+<p:properties xmlns:p="http://schemas.microsoft.com/office/2006/metadata/properties" xmlns:xsi="http://www.w3.org/2001/XMLSchema-instance" xmlns:pc="http://schemas.microsoft.com/office/infopath/2007/PartnerControls">
+  <documentManagement/>
+</p:properties>
+</file>
+
+<file path=customXml/item2.xml><?xml version="1.0" encoding="utf-8"?>
+<?mso-contentType ?>
+<FormTemplates xmlns="http://schemas.microsoft.com/sharepoint/v3/contenttype/forms">
+  <Display>DocumentLibraryForm</Display>
+  <Edit>DocumentLibraryForm</Edit>
+  <New>DocumentLibraryForm</New>
+</FormTemplates>
+</file>
+
+<file path=customXml/item3.xml><?xml version="1.0" encoding="utf-8"?>
 <ct:contentTypeSchema xmlns:ct="http://schemas.microsoft.com/office/2006/metadata/contentType" xmlns:ma="http://schemas.microsoft.com/office/2006/metadata/properties/metaAttributes" ct:_="" ma:_="" ma:contentTypeName="ドキュメント" ma:contentTypeID="0x0101009C891E010EDA3F45BF61A30723688D81" ma:contentTypeVersion="3" ma:contentTypeDescription="新しいドキュメントを作成します。" ma:contentTypeScope="" ma:versionID="1f6eba421280105da960c9960f45ce5f">
   <xsd:schema xmlns:xsd="http://www.w3.org/2001/XMLSchema" xmlns:xs="http://www.w3.org/2001/XMLSchema" xmlns:p="http://schemas.microsoft.com/office/2006/metadata/properties" xmlns:ns3="55a9e873-8d4f-437a-937d-d52930f84d1f" targetNamespace="http://schemas.microsoft.com/office/2006/metadata/properties" ma:root="true" ma:fieldsID="0bcc4f3e3cd1babd41b1fde1488bc685" ns3:_="">
     <xsd:import namespace="55a9e873-8d4f-437a-937d-d52930f84d1f"/>
@@ -5323,22 +5344,31 @@
 </ct:contentTypeSchema>
 </file>
 
-<file path=customXml/item2.xml><?xml version="1.0" encoding="utf-8"?>
-<?mso-contentType ?>
-<FormTemplates xmlns="http://schemas.microsoft.com/sharepoint/v3/contenttype/forms">
-  <Display>DocumentLibraryForm</Display>
-  <Edit>DocumentLibraryForm</Edit>
-  <New>DocumentLibraryForm</New>
-</FormTemplates>
+<file path=customXml/itemProps1.xml><?xml version="1.0" encoding="utf-8"?>
+<ds:datastoreItem xmlns:ds="http://schemas.openxmlformats.org/officeDocument/2006/customXml" ds:itemID="{CD0AF6FD-47F6-4677-B9FB-039C32F13AB4}">
+  <ds:schemaRefs>
+    <ds:schemaRef ds:uri="http://schemas.microsoft.com/office/infopath/2007/PartnerControls"/>
+    <ds:schemaRef ds:uri="http://www.w3.org/XML/1998/namespace"/>
+    <ds:schemaRef ds:uri="http://purl.org/dc/dcmitype/"/>
+    <ds:schemaRef ds:uri="http://purl.org/dc/elements/1.1/"/>
+    <ds:schemaRef ds:uri="http://schemas.microsoft.com/office/2006/documentManagement/types"/>
+    <ds:schemaRef ds:uri="http://schemas.openxmlformats.org/package/2006/metadata/core-properties"/>
+    <ds:schemaRef ds:uri="55a9e873-8d4f-437a-937d-d52930f84d1f"/>
+    <ds:schemaRef ds:uri="http://schemas.microsoft.com/office/2006/metadata/properties"/>
+    <ds:schemaRef ds:uri="http://purl.org/dc/terms/"/>
+  </ds:schemaRefs>
+</ds:datastoreItem>
 </file>
 
-<file path=customXml/item3.xml><?xml version="1.0" encoding="utf-8"?>
-<p:properties xmlns:p="http://schemas.microsoft.com/office/2006/metadata/properties" xmlns:xsi="http://www.w3.org/2001/XMLSchema-instance" xmlns:pc="http://schemas.microsoft.com/office/infopath/2007/PartnerControls">
-  <documentManagement/>
-</p:properties>
+<file path=customXml/itemProps2.xml><?xml version="1.0" encoding="utf-8"?>
+<ds:datastoreItem xmlns:ds="http://schemas.openxmlformats.org/officeDocument/2006/customXml" ds:itemID="{568A6394-49E7-4520-AE11-1DC2E32D8849}">
+  <ds:schemaRefs>
+    <ds:schemaRef ds:uri="http://schemas.microsoft.com/sharepoint/v3/contenttype/forms"/>
+  </ds:schemaRefs>
+</ds:datastoreItem>
 </file>
 
-<file path=customXml/itemProps1.xml><?xml version="1.0" encoding="utf-8"?>
+<file path=customXml/itemProps3.xml><?xml version="1.0" encoding="utf-8"?>
 <ds:datastoreItem xmlns:ds="http://schemas.openxmlformats.org/officeDocument/2006/customXml" ds:itemID="{7DA996B2-78C2-4EB3-8996-2F102DAF2E32}">
   <ds:schemaRefs>
     <ds:schemaRef ds:uri="http://schemas.microsoft.com/office/2006/metadata/contentType"/>
@@ -5354,28 +5384,4 @@
     <ds:schemaRef ds:uri="http://schemas.microsoft.com/internal/obd"/>
   </ds:schemaRefs>
 </ds:datastoreItem>
-</file>
-
-<file path=customXml/itemProps2.xml><?xml version="1.0" encoding="utf-8"?>
-<ds:datastoreItem xmlns:ds="http://schemas.openxmlformats.org/officeDocument/2006/customXml" ds:itemID="{568A6394-49E7-4520-AE11-1DC2E32D8849}">
-  <ds:schemaRefs>
-    <ds:schemaRef ds:uri="http://schemas.microsoft.com/sharepoint/v3/contenttype/forms"/>
-  </ds:schemaRefs>
-</ds:datastoreItem>
-</file>
-
-<file path=customXml/itemProps3.xml><?xml version="1.0" encoding="utf-8"?>
-<ds:datastoreItem xmlns:ds="http://schemas.openxmlformats.org/officeDocument/2006/customXml" ds:itemID="{CD0AF6FD-47F6-4677-B9FB-039C32F13AB4}">
-  <ds:schemaRefs>
-    <ds:schemaRef ds:uri="http://schemas.microsoft.com/office/infopath/2007/PartnerControls"/>
-    <ds:schemaRef ds:uri="http://www.w3.org/XML/1998/namespace"/>
-    <ds:schemaRef ds:uri="http://purl.org/dc/dcmitype/"/>
-    <ds:schemaRef ds:uri="http://purl.org/dc/elements/1.1/"/>
-    <ds:schemaRef ds:uri="http://schemas.microsoft.com/office/2006/documentManagement/types"/>
-    <ds:schemaRef ds:uri="http://schemas.openxmlformats.org/package/2006/metadata/core-properties"/>
-    <ds:schemaRef ds:uri="55a9e873-8d4f-437a-937d-d52930f84d1f"/>
-    <ds:schemaRef ds:uri="http://schemas.microsoft.com/office/2006/metadata/properties"/>
-    <ds:schemaRef ds:uri="http://purl.org/dc/terms/"/>
-  </ds:schemaRefs>
-</ds:datastoreItem>
 </file>